--- a/ppt 16-9/0363.两个不同永远.pptx
+++ b/ppt 16-9/0363.两个不同永远.pptx
@@ -129,7 +129,7 @@
           <p:cNvPr id="2" name="标题 1">
             <a:extLst>
               <a:ext uri="{FF2B5EF4-FFF2-40B4-BE49-F238E27FC236}">
-                <a16:creationId xmlns:a16="http://schemas.microsoft.com/office/drawing/2014/main" id="{B95A3CDD-6B6C-456F-B301-2E8CCC8768DB}"/>
+                <a16:creationId xmlns:a16="http://schemas.microsoft.com/office/drawing/2014/main" id="{3204DD36-9572-F9D1-D96C-2B3580B43890}"/>
               </a:ext>
             </a:extLst>
           </p:cNvPr>
@@ -166,7 +166,7 @@
           <p:cNvPr id="3" name="副标题 2">
             <a:extLst>
               <a:ext uri="{FF2B5EF4-FFF2-40B4-BE49-F238E27FC236}">
-                <a16:creationId xmlns:a16="http://schemas.microsoft.com/office/drawing/2014/main" id="{01EF1139-CA09-C91E-6220-573DB31D1033}"/>
+                <a16:creationId xmlns:a16="http://schemas.microsoft.com/office/drawing/2014/main" id="{CF63E481-A697-B4BC-BA37-A376FDDB0C1A}"/>
               </a:ext>
             </a:extLst>
           </p:cNvPr>
@@ -236,7 +236,7 @@
           <p:cNvPr id="4" name="日期占位符 3">
             <a:extLst>
               <a:ext uri="{FF2B5EF4-FFF2-40B4-BE49-F238E27FC236}">
-                <a16:creationId xmlns:a16="http://schemas.microsoft.com/office/drawing/2014/main" id="{4117A2EC-594E-CD45-A18C-709420BD619D}"/>
+                <a16:creationId xmlns:a16="http://schemas.microsoft.com/office/drawing/2014/main" id="{B3BDA3EE-10EA-8423-85B3-CA636E47286E}"/>
               </a:ext>
             </a:extLst>
           </p:cNvPr>
@@ -252,7 +252,7 @@
           <a:bodyPr/>
           <a:lstStyle/>
           <a:p>
-            <a:fld id="{579FAC08-EC3F-4631-A9D1-FD9C4F133542}" type="datetimeFigureOut">
+            <a:fld id="{41734672-5C5F-415D-AE43-52CD0626002F}" type="datetimeFigureOut">
               <a:rPr lang="zh-CN" altLang="en-US" smtClean="0"/>
               <a:t>2024/3/10</a:t>
             </a:fld>
@@ -265,7 +265,7 @@
           <p:cNvPr id="5" name="页脚占位符 4">
             <a:extLst>
               <a:ext uri="{FF2B5EF4-FFF2-40B4-BE49-F238E27FC236}">
-                <a16:creationId xmlns:a16="http://schemas.microsoft.com/office/drawing/2014/main" id="{1A906E5D-5384-3FA3-1559-8D2A7F00BBC2}"/>
+                <a16:creationId xmlns:a16="http://schemas.microsoft.com/office/drawing/2014/main" id="{8180ED45-CEBA-446B-B794-FC80A5CF75D7}"/>
               </a:ext>
             </a:extLst>
           </p:cNvPr>
@@ -290,7 +290,7 @@
           <p:cNvPr id="6" name="灯片编号占位符 5">
             <a:extLst>
               <a:ext uri="{FF2B5EF4-FFF2-40B4-BE49-F238E27FC236}">
-                <a16:creationId xmlns:a16="http://schemas.microsoft.com/office/drawing/2014/main" id="{8CC55D9C-E027-B90F-ADE5-C0C5DB787810}"/>
+                <a16:creationId xmlns:a16="http://schemas.microsoft.com/office/drawing/2014/main" id="{0BF31C38-3B1B-4FA8-CEBC-265C66B4CF56}"/>
               </a:ext>
             </a:extLst>
           </p:cNvPr>
@@ -306,7 +306,7 @@
           <a:bodyPr/>
           <a:lstStyle/>
           <a:p>
-            <a:fld id="{826305C2-BCF5-40B2-BD34-B699447E506A}" type="slidenum">
+            <a:fld id="{02DAD177-1A43-4613-8385-A61F79C2617C}" type="slidenum">
               <a:rPr lang="zh-CN" altLang="en-US" smtClean="0"/>
               <a:t>‹#›</a:t>
             </a:fld>
@@ -317,7 +317,7 @@
     </p:spTree>
     <p:extLst>
       <p:ext uri="{BB962C8B-B14F-4D97-AF65-F5344CB8AC3E}">
-        <p14:creationId xmlns:p14="http://schemas.microsoft.com/office/powerpoint/2010/main" val="3527120894"/>
+        <p14:creationId xmlns:p14="http://schemas.microsoft.com/office/powerpoint/2010/main" val="1768892556"/>
       </p:ext>
     </p:extLst>
   </p:cSld>
@@ -349,7 +349,7 @@
           <p:cNvPr id="2" name="标题 1">
             <a:extLst>
               <a:ext uri="{FF2B5EF4-FFF2-40B4-BE49-F238E27FC236}">
-                <a16:creationId xmlns:a16="http://schemas.microsoft.com/office/drawing/2014/main" id="{5C09E105-A902-BB56-7441-C475F647D832}"/>
+                <a16:creationId xmlns:a16="http://schemas.microsoft.com/office/drawing/2014/main" id="{2781F373-1AB4-6560-A2FD-BE84B3492015}"/>
               </a:ext>
             </a:extLst>
           </p:cNvPr>
@@ -377,7 +377,7 @@
           <p:cNvPr id="3" name="竖排文字占位符 2">
             <a:extLst>
               <a:ext uri="{FF2B5EF4-FFF2-40B4-BE49-F238E27FC236}">
-                <a16:creationId xmlns:a16="http://schemas.microsoft.com/office/drawing/2014/main" id="{77BD0409-731A-B4E6-2765-252384446BF0}"/>
+                <a16:creationId xmlns:a16="http://schemas.microsoft.com/office/drawing/2014/main" id="{8907A949-C49E-9AE1-95FE-E88B7EADC776}"/>
               </a:ext>
             </a:extLst>
           </p:cNvPr>
@@ -434,7 +434,7 @@
           <p:cNvPr id="4" name="日期占位符 3">
             <a:extLst>
               <a:ext uri="{FF2B5EF4-FFF2-40B4-BE49-F238E27FC236}">
-                <a16:creationId xmlns:a16="http://schemas.microsoft.com/office/drawing/2014/main" id="{E8B77230-D9FB-00DD-FC86-3836E695E70B}"/>
+                <a16:creationId xmlns:a16="http://schemas.microsoft.com/office/drawing/2014/main" id="{C6AD78FE-3EA0-0294-CC91-15F1C7031E31}"/>
               </a:ext>
             </a:extLst>
           </p:cNvPr>
@@ -450,7 +450,7 @@
           <a:bodyPr/>
           <a:lstStyle/>
           <a:p>
-            <a:fld id="{579FAC08-EC3F-4631-A9D1-FD9C4F133542}" type="datetimeFigureOut">
+            <a:fld id="{41734672-5C5F-415D-AE43-52CD0626002F}" type="datetimeFigureOut">
               <a:rPr lang="zh-CN" altLang="en-US" smtClean="0"/>
               <a:t>2024/3/10</a:t>
             </a:fld>
@@ -463,7 +463,7 @@
           <p:cNvPr id="5" name="页脚占位符 4">
             <a:extLst>
               <a:ext uri="{FF2B5EF4-FFF2-40B4-BE49-F238E27FC236}">
-                <a16:creationId xmlns:a16="http://schemas.microsoft.com/office/drawing/2014/main" id="{C5B35500-2201-37FC-BA89-1B8BB86EEF1F}"/>
+                <a16:creationId xmlns:a16="http://schemas.microsoft.com/office/drawing/2014/main" id="{261A47D3-4AF5-DEA6-985B-59F4B9DEA786}"/>
               </a:ext>
             </a:extLst>
           </p:cNvPr>
@@ -488,7 +488,7 @@
           <p:cNvPr id="6" name="灯片编号占位符 5">
             <a:extLst>
               <a:ext uri="{FF2B5EF4-FFF2-40B4-BE49-F238E27FC236}">
-                <a16:creationId xmlns:a16="http://schemas.microsoft.com/office/drawing/2014/main" id="{7958B79C-1198-5ADF-DC58-3E262C60B3C1}"/>
+                <a16:creationId xmlns:a16="http://schemas.microsoft.com/office/drawing/2014/main" id="{416D1908-26D6-9AD3-1E1A-9DA5B5BFB4FD}"/>
               </a:ext>
             </a:extLst>
           </p:cNvPr>
@@ -504,7 +504,7 @@
           <a:bodyPr/>
           <a:lstStyle/>
           <a:p>
-            <a:fld id="{826305C2-BCF5-40B2-BD34-B699447E506A}" type="slidenum">
+            <a:fld id="{02DAD177-1A43-4613-8385-A61F79C2617C}" type="slidenum">
               <a:rPr lang="zh-CN" altLang="en-US" smtClean="0"/>
               <a:t>‹#›</a:t>
             </a:fld>
@@ -515,7 +515,7 @@
     </p:spTree>
     <p:extLst>
       <p:ext uri="{BB962C8B-B14F-4D97-AF65-F5344CB8AC3E}">
-        <p14:creationId xmlns:p14="http://schemas.microsoft.com/office/powerpoint/2010/main" val="2252254352"/>
+        <p14:creationId xmlns:p14="http://schemas.microsoft.com/office/powerpoint/2010/main" val="1732643826"/>
       </p:ext>
     </p:extLst>
   </p:cSld>
@@ -547,7 +547,7 @@
           <p:cNvPr id="2" name="竖排标题 1">
             <a:extLst>
               <a:ext uri="{FF2B5EF4-FFF2-40B4-BE49-F238E27FC236}">
-                <a16:creationId xmlns:a16="http://schemas.microsoft.com/office/drawing/2014/main" id="{A493CEBC-DD92-E776-6829-DD4108091694}"/>
+                <a16:creationId xmlns:a16="http://schemas.microsoft.com/office/drawing/2014/main" id="{5DF390AD-16B6-9326-8A77-795CE3B10883}"/>
               </a:ext>
             </a:extLst>
           </p:cNvPr>
@@ -580,7 +580,7 @@
           <p:cNvPr id="3" name="竖排文字占位符 2">
             <a:extLst>
               <a:ext uri="{FF2B5EF4-FFF2-40B4-BE49-F238E27FC236}">
-                <a16:creationId xmlns:a16="http://schemas.microsoft.com/office/drawing/2014/main" id="{6BFC4ED2-4D77-AE9E-EDD8-A618C9689A13}"/>
+                <a16:creationId xmlns:a16="http://schemas.microsoft.com/office/drawing/2014/main" id="{967171F2-85EE-3CE1-9382-C323652D4068}"/>
               </a:ext>
             </a:extLst>
           </p:cNvPr>
@@ -642,7 +642,7 @@
           <p:cNvPr id="4" name="日期占位符 3">
             <a:extLst>
               <a:ext uri="{FF2B5EF4-FFF2-40B4-BE49-F238E27FC236}">
-                <a16:creationId xmlns:a16="http://schemas.microsoft.com/office/drawing/2014/main" id="{E37EC38B-18BA-DE0A-71CA-337D8058BC7F}"/>
+                <a16:creationId xmlns:a16="http://schemas.microsoft.com/office/drawing/2014/main" id="{8964F843-B309-42B4-9866-F3A56CA34F3F}"/>
               </a:ext>
             </a:extLst>
           </p:cNvPr>
@@ -658,7 +658,7 @@
           <a:bodyPr/>
           <a:lstStyle/>
           <a:p>
-            <a:fld id="{579FAC08-EC3F-4631-A9D1-FD9C4F133542}" type="datetimeFigureOut">
+            <a:fld id="{41734672-5C5F-415D-AE43-52CD0626002F}" type="datetimeFigureOut">
               <a:rPr lang="zh-CN" altLang="en-US" smtClean="0"/>
               <a:t>2024/3/10</a:t>
             </a:fld>
@@ -671,7 +671,7 @@
           <p:cNvPr id="5" name="页脚占位符 4">
             <a:extLst>
               <a:ext uri="{FF2B5EF4-FFF2-40B4-BE49-F238E27FC236}">
-                <a16:creationId xmlns:a16="http://schemas.microsoft.com/office/drawing/2014/main" id="{FAC27E2F-1B8A-C78B-B298-B433FE0A9228}"/>
+                <a16:creationId xmlns:a16="http://schemas.microsoft.com/office/drawing/2014/main" id="{496DA839-E2D9-3D76-9644-84E6F5C1CA21}"/>
               </a:ext>
             </a:extLst>
           </p:cNvPr>
@@ -696,7 +696,7 @@
           <p:cNvPr id="6" name="灯片编号占位符 5">
             <a:extLst>
               <a:ext uri="{FF2B5EF4-FFF2-40B4-BE49-F238E27FC236}">
-                <a16:creationId xmlns:a16="http://schemas.microsoft.com/office/drawing/2014/main" id="{5E41CDF5-BF4B-3CA7-B0AC-E1DD687AE6C5}"/>
+                <a16:creationId xmlns:a16="http://schemas.microsoft.com/office/drawing/2014/main" id="{A35AAEBF-318D-EA00-5A92-E31F99134AC1}"/>
               </a:ext>
             </a:extLst>
           </p:cNvPr>
@@ -712,7 +712,7 @@
           <a:bodyPr/>
           <a:lstStyle/>
           <a:p>
-            <a:fld id="{826305C2-BCF5-40B2-BD34-B699447E506A}" type="slidenum">
+            <a:fld id="{02DAD177-1A43-4613-8385-A61F79C2617C}" type="slidenum">
               <a:rPr lang="zh-CN" altLang="en-US" smtClean="0"/>
               <a:t>‹#›</a:t>
             </a:fld>
@@ -723,7 +723,7 @@
     </p:spTree>
     <p:extLst>
       <p:ext uri="{BB962C8B-B14F-4D97-AF65-F5344CB8AC3E}">
-        <p14:creationId xmlns:p14="http://schemas.microsoft.com/office/powerpoint/2010/main" val="4181917113"/>
+        <p14:creationId xmlns:p14="http://schemas.microsoft.com/office/powerpoint/2010/main" val="2652871818"/>
       </p:ext>
     </p:extLst>
   </p:cSld>
@@ -755,7 +755,7 @@
           <p:cNvPr id="2" name="标题 1">
             <a:extLst>
               <a:ext uri="{FF2B5EF4-FFF2-40B4-BE49-F238E27FC236}">
-                <a16:creationId xmlns:a16="http://schemas.microsoft.com/office/drawing/2014/main" id="{816ED1D6-F099-8E8B-6DCB-702DD2DC87A5}"/>
+                <a16:creationId xmlns:a16="http://schemas.microsoft.com/office/drawing/2014/main" id="{78A826E0-3510-8168-95F7-24BD2C5608E9}"/>
               </a:ext>
             </a:extLst>
           </p:cNvPr>
@@ -783,7 +783,7 @@
           <p:cNvPr id="3" name="内容占位符 2">
             <a:extLst>
               <a:ext uri="{FF2B5EF4-FFF2-40B4-BE49-F238E27FC236}">
-                <a16:creationId xmlns:a16="http://schemas.microsoft.com/office/drawing/2014/main" id="{31FBD04E-23E5-857B-67AC-6DF5BFBBE07E}"/>
+                <a16:creationId xmlns:a16="http://schemas.microsoft.com/office/drawing/2014/main" id="{05A54E1A-E8A1-905D-E3D2-15D29E438422}"/>
               </a:ext>
             </a:extLst>
           </p:cNvPr>
@@ -840,7 +840,7 @@
           <p:cNvPr id="4" name="日期占位符 3">
             <a:extLst>
               <a:ext uri="{FF2B5EF4-FFF2-40B4-BE49-F238E27FC236}">
-                <a16:creationId xmlns:a16="http://schemas.microsoft.com/office/drawing/2014/main" id="{66F27CA2-75D8-AABC-664C-03EE57966CD9}"/>
+                <a16:creationId xmlns:a16="http://schemas.microsoft.com/office/drawing/2014/main" id="{66A06EE8-DA1B-22E7-A182-F227341C9F65}"/>
               </a:ext>
             </a:extLst>
           </p:cNvPr>
@@ -856,7 +856,7 @@
           <a:bodyPr/>
           <a:lstStyle/>
           <a:p>
-            <a:fld id="{579FAC08-EC3F-4631-A9D1-FD9C4F133542}" type="datetimeFigureOut">
+            <a:fld id="{41734672-5C5F-415D-AE43-52CD0626002F}" type="datetimeFigureOut">
               <a:rPr lang="zh-CN" altLang="en-US" smtClean="0"/>
               <a:t>2024/3/10</a:t>
             </a:fld>
@@ -869,7 +869,7 @@
           <p:cNvPr id="5" name="页脚占位符 4">
             <a:extLst>
               <a:ext uri="{FF2B5EF4-FFF2-40B4-BE49-F238E27FC236}">
-                <a16:creationId xmlns:a16="http://schemas.microsoft.com/office/drawing/2014/main" id="{F9377F62-4B73-70D8-8C78-73222EAE7089}"/>
+                <a16:creationId xmlns:a16="http://schemas.microsoft.com/office/drawing/2014/main" id="{BE6EBA0F-0FBC-8BE5-8CDC-CA3E3B76A04D}"/>
               </a:ext>
             </a:extLst>
           </p:cNvPr>
@@ -894,7 +894,7 @@
           <p:cNvPr id="6" name="灯片编号占位符 5">
             <a:extLst>
               <a:ext uri="{FF2B5EF4-FFF2-40B4-BE49-F238E27FC236}">
-                <a16:creationId xmlns:a16="http://schemas.microsoft.com/office/drawing/2014/main" id="{21895CB2-A473-0308-BEBF-31626D7E7BAC}"/>
+                <a16:creationId xmlns:a16="http://schemas.microsoft.com/office/drawing/2014/main" id="{CCB8BDE3-CD88-ABB5-5722-53C1E090B524}"/>
               </a:ext>
             </a:extLst>
           </p:cNvPr>
@@ -910,7 +910,7 @@
           <a:bodyPr/>
           <a:lstStyle/>
           <a:p>
-            <a:fld id="{826305C2-BCF5-40B2-BD34-B699447E506A}" type="slidenum">
+            <a:fld id="{02DAD177-1A43-4613-8385-A61F79C2617C}" type="slidenum">
               <a:rPr lang="zh-CN" altLang="en-US" smtClean="0"/>
               <a:t>‹#›</a:t>
             </a:fld>
@@ -921,7 +921,7 @@
     </p:spTree>
     <p:extLst>
       <p:ext uri="{BB962C8B-B14F-4D97-AF65-F5344CB8AC3E}">
-        <p14:creationId xmlns:p14="http://schemas.microsoft.com/office/powerpoint/2010/main" val="1179111822"/>
+        <p14:creationId xmlns:p14="http://schemas.microsoft.com/office/powerpoint/2010/main" val="1734542130"/>
       </p:ext>
     </p:extLst>
   </p:cSld>
@@ -953,7 +953,7 @@
           <p:cNvPr id="2" name="标题 1">
             <a:extLst>
               <a:ext uri="{FF2B5EF4-FFF2-40B4-BE49-F238E27FC236}">
-                <a16:creationId xmlns:a16="http://schemas.microsoft.com/office/drawing/2014/main" id="{9B25B1CE-CB8B-1304-4109-B27649C66C40}"/>
+                <a16:creationId xmlns:a16="http://schemas.microsoft.com/office/drawing/2014/main" id="{11720126-DCA6-E384-8FED-7A2D024E6596}"/>
               </a:ext>
             </a:extLst>
           </p:cNvPr>
@@ -990,7 +990,7 @@
           <p:cNvPr id="3" name="文本占位符 2">
             <a:extLst>
               <a:ext uri="{FF2B5EF4-FFF2-40B4-BE49-F238E27FC236}">
-                <a16:creationId xmlns:a16="http://schemas.microsoft.com/office/drawing/2014/main" id="{9F69E48B-77DE-B722-AA37-A1EA986DE6FC}"/>
+                <a16:creationId xmlns:a16="http://schemas.microsoft.com/office/drawing/2014/main" id="{496C040A-6F6B-8F88-5537-92F4ABEAB14F}"/>
               </a:ext>
             </a:extLst>
           </p:cNvPr>
@@ -1115,7 +1115,7 @@
           <p:cNvPr id="4" name="日期占位符 3">
             <a:extLst>
               <a:ext uri="{FF2B5EF4-FFF2-40B4-BE49-F238E27FC236}">
-                <a16:creationId xmlns:a16="http://schemas.microsoft.com/office/drawing/2014/main" id="{BA4B2854-239E-611A-D987-755AF678C551}"/>
+                <a16:creationId xmlns:a16="http://schemas.microsoft.com/office/drawing/2014/main" id="{8AFBD196-D1D1-178B-E76B-13990A0FF33D}"/>
               </a:ext>
             </a:extLst>
           </p:cNvPr>
@@ -1131,7 +1131,7 @@
           <a:bodyPr/>
           <a:lstStyle/>
           <a:p>
-            <a:fld id="{579FAC08-EC3F-4631-A9D1-FD9C4F133542}" type="datetimeFigureOut">
+            <a:fld id="{41734672-5C5F-415D-AE43-52CD0626002F}" type="datetimeFigureOut">
               <a:rPr lang="zh-CN" altLang="en-US" smtClean="0"/>
               <a:t>2024/3/10</a:t>
             </a:fld>
@@ -1144,7 +1144,7 @@
           <p:cNvPr id="5" name="页脚占位符 4">
             <a:extLst>
               <a:ext uri="{FF2B5EF4-FFF2-40B4-BE49-F238E27FC236}">
-                <a16:creationId xmlns:a16="http://schemas.microsoft.com/office/drawing/2014/main" id="{6798D75A-0C5B-5583-3A00-A92CA9D5330B}"/>
+                <a16:creationId xmlns:a16="http://schemas.microsoft.com/office/drawing/2014/main" id="{803F859A-5D34-06A8-5184-B9CC910BDE1C}"/>
               </a:ext>
             </a:extLst>
           </p:cNvPr>
@@ -1169,7 +1169,7 @@
           <p:cNvPr id="6" name="灯片编号占位符 5">
             <a:extLst>
               <a:ext uri="{FF2B5EF4-FFF2-40B4-BE49-F238E27FC236}">
-                <a16:creationId xmlns:a16="http://schemas.microsoft.com/office/drawing/2014/main" id="{01E58532-8DAB-A763-393F-A5EBEC4E0BAD}"/>
+                <a16:creationId xmlns:a16="http://schemas.microsoft.com/office/drawing/2014/main" id="{2C58EB8E-9C90-27B0-B487-D8AF7F40569E}"/>
               </a:ext>
             </a:extLst>
           </p:cNvPr>
@@ -1185,7 +1185,7 @@
           <a:bodyPr/>
           <a:lstStyle/>
           <a:p>
-            <a:fld id="{826305C2-BCF5-40B2-BD34-B699447E506A}" type="slidenum">
+            <a:fld id="{02DAD177-1A43-4613-8385-A61F79C2617C}" type="slidenum">
               <a:rPr lang="zh-CN" altLang="en-US" smtClean="0"/>
               <a:t>‹#›</a:t>
             </a:fld>
@@ -1196,7 +1196,7 @@
     </p:spTree>
     <p:extLst>
       <p:ext uri="{BB962C8B-B14F-4D97-AF65-F5344CB8AC3E}">
-        <p14:creationId xmlns:p14="http://schemas.microsoft.com/office/powerpoint/2010/main" val="2561111165"/>
+        <p14:creationId xmlns:p14="http://schemas.microsoft.com/office/powerpoint/2010/main" val="3048875905"/>
       </p:ext>
     </p:extLst>
   </p:cSld>
@@ -1228,7 +1228,7 @@
           <p:cNvPr id="2" name="标题 1">
             <a:extLst>
               <a:ext uri="{FF2B5EF4-FFF2-40B4-BE49-F238E27FC236}">
-                <a16:creationId xmlns:a16="http://schemas.microsoft.com/office/drawing/2014/main" id="{2444C8CC-F68A-E8EE-1980-97A65763053F}"/>
+                <a16:creationId xmlns:a16="http://schemas.microsoft.com/office/drawing/2014/main" id="{124B832F-CF95-0289-752C-4EECED3B11EC}"/>
               </a:ext>
             </a:extLst>
           </p:cNvPr>
@@ -1256,7 +1256,7 @@
           <p:cNvPr id="3" name="内容占位符 2">
             <a:extLst>
               <a:ext uri="{FF2B5EF4-FFF2-40B4-BE49-F238E27FC236}">
-                <a16:creationId xmlns:a16="http://schemas.microsoft.com/office/drawing/2014/main" id="{6C3952F6-DE83-C694-C134-42258E149F0B}"/>
+                <a16:creationId xmlns:a16="http://schemas.microsoft.com/office/drawing/2014/main" id="{66F302C8-A009-EE99-B0E9-A401B9E70AEE}"/>
               </a:ext>
             </a:extLst>
           </p:cNvPr>
@@ -1318,7 +1318,7 @@
           <p:cNvPr id="4" name="内容占位符 3">
             <a:extLst>
               <a:ext uri="{FF2B5EF4-FFF2-40B4-BE49-F238E27FC236}">
-                <a16:creationId xmlns:a16="http://schemas.microsoft.com/office/drawing/2014/main" id="{2E1D20DC-2D29-2DF8-AFF9-E2790A0D4CA9}"/>
+                <a16:creationId xmlns:a16="http://schemas.microsoft.com/office/drawing/2014/main" id="{164E9F01-AFEB-1F9B-6899-EA6E8F07741E}"/>
               </a:ext>
             </a:extLst>
           </p:cNvPr>
@@ -1380,7 +1380,7 @@
           <p:cNvPr id="5" name="日期占位符 4">
             <a:extLst>
               <a:ext uri="{FF2B5EF4-FFF2-40B4-BE49-F238E27FC236}">
-                <a16:creationId xmlns:a16="http://schemas.microsoft.com/office/drawing/2014/main" id="{581D2DDC-E505-8FA3-3A72-610CC283D68D}"/>
+                <a16:creationId xmlns:a16="http://schemas.microsoft.com/office/drawing/2014/main" id="{0F5F3D7C-5C82-AA32-FDD6-138E8ED73E80}"/>
               </a:ext>
             </a:extLst>
           </p:cNvPr>
@@ -1396,7 +1396,7 @@
           <a:bodyPr/>
           <a:lstStyle/>
           <a:p>
-            <a:fld id="{579FAC08-EC3F-4631-A9D1-FD9C4F133542}" type="datetimeFigureOut">
+            <a:fld id="{41734672-5C5F-415D-AE43-52CD0626002F}" type="datetimeFigureOut">
               <a:rPr lang="zh-CN" altLang="en-US" smtClean="0"/>
               <a:t>2024/3/10</a:t>
             </a:fld>
@@ -1409,7 +1409,7 @@
           <p:cNvPr id="6" name="页脚占位符 5">
             <a:extLst>
               <a:ext uri="{FF2B5EF4-FFF2-40B4-BE49-F238E27FC236}">
-                <a16:creationId xmlns:a16="http://schemas.microsoft.com/office/drawing/2014/main" id="{D397724B-0581-90B5-EB58-4EC27BDB2D34}"/>
+                <a16:creationId xmlns:a16="http://schemas.microsoft.com/office/drawing/2014/main" id="{7B15B365-2B0F-9ADF-8B30-A3F3C52399D8}"/>
               </a:ext>
             </a:extLst>
           </p:cNvPr>
@@ -1434,7 +1434,7 @@
           <p:cNvPr id="7" name="灯片编号占位符 6">
             <a:extLst>
               <a:ext uri="{FF2B5EF4-FFF2-40B4-BE49-F238E27FC236}">
-                <a16:creationId xmlns:a16="http://schemas.microsoft.com/office/drawing/2014/main" id="{E8C9B5FA-509B-416B-0855-33B91C29EAB5}"/>
+                <a16:creationId xmlns:a16="http://schemas.microsoft.com/office/drawing/2014/main" id="{AFFCDB0D-0302-C13B-E90E-05D20D88C61D}"/>
               </a:ext>
             </a:extLst>
           </p:cNvPr>
@@ -1450,7 +1450,7 @@
           <a:bodyPr/>
           <a:lstStyle/>
           <a:p>
-            <a:fld id="{826305C2-BCF5-40B2-BD34-B699447E506A}" type="slidenum">
+            <a:fld id="{02DAD177-1A43-4613-8385-A61F79C2617C}" type="slidenum">
               <a:rPr lang="zh-CN" altLang="en-US" smtClean="0"/>
               <a:t>‹#›</a:t>
             </a:fld>
@@ -1461,7 +1461,7 @@
     </p:spTree>
     <p:extLst>
       <p:ext uri="{BB962C8B-B14F-4D97-AF65-F5344CB8AC3E}">
-        <p14:creationId xmlns:p14="http://schemas.microsoft.com/office/powerpoint/2010/main" val="3295025456"/>
+        <p14:creationId xmlns:p14="http://schemas.microsoft.com/office/powerpoint/2010/main" val="2373300555"/>
       </p:ext>
     </p:extLst>
   </p:cSld>
@@ -1493,7 +1493,7 @@
           <p:cNvPr id="2" name="标题 1">
             <a:extLst>
               <a:ext uri="{FF2B5EF4-FFF2-40B4-BE49-F238E27FC236}">
-                <a16:creationId xmlns:a16="http://schemas.microsoft.com/office/drawing/2014/main" id="{2B03DC12-AD85-8179-BFD3-4F38AF7FD34C}"/>
+                <a16:creationId xmlns:a16="http://schemas.microsoft.com/office/drawing/2014/main" id="{48E48E21-EBBD-363D-8C0C-33DFC1683DEC}"/>
               </a:ext>
             </a:extLst>
           </p:cNvPr>
@@ -1526,7 +1526,7 @@
           <p:cNvPr id="3" name="文本占位符 2">
             <a:extLst>
               <a:ext uri="{FF2B5EF4-FFF2-40B4-BE49-F238E27FC236}">
-                <a16:creationId xmlns:a16="http://schemas.microsoft.com/office/drawing/2014/main" id="{F3283D25-ED70-2284-80E3-246E02319C9E}"/>
+                <a16:creationId xmlns:a16="http://schemas.microsoft.com/office/drawing/2014/main" id="{C41C2E42-178A-6518-83E4-E1225E77D60F}"/>
               </a:ext>
             </a:extLst>
           </p:cNvPr>
@@ -1597,7 +1597,7 @@
           <p:cNvPr id="4" name="内容占位符 3">
             <a:extLst>
               <a:ext uri="{FF2B5EF4-FFF2-40B4-BE49-F238E27FC236}">
-                <a16:creationId xmlns:a16="http://schemas.microsoft.com/office/drawing/2014/main" id="{5846B78A-FC8C-F10F-9515-5F354DE142E9}"/>
+                <a16:creationId xmlns:a16="http://schemas.microsoft.com/office/drawing/2014/main" id="{A140B096-70B3-32A9-BB00-DAE0037944C7}"/>
               </a:ext>
             </a:extLst>
           </p:cNvPr>
@@ -1659,7 +1659,7 @@
           <p:cNvPr id="5" name="文本占位符 4">
             <a:extLst>
               <a:ext uri="{FF2B5EF4-FFF2-40B4-BE49-F238E27FC236}">
-                <a16:creationId xmlns:a16="http://schemas.microsoft.com/office/drawing/2014/main" id="{E64E9C0A-60F9-32D0-31AC-5CDF90E31083}"/>
+                <a16:creationId xmlns:a16="http://schemas.microsoft.com/office/drawing/2014/main" id="{C6D38C51-4C6C-3262-9F2E-EF858A2D96AC}"/>
               </a:ext>
             </a:extLst>
           </p:cNvPr>
@@ -1730,7 +1730,7 @@
           <p:cNvPr id="6" name="内容占位符 5">
             <a:extLst>
               <a:ext uri="{FF2B5EF4-FFF2-40B4-BE49-F238E27FC236}">
-                <a16:creationId xmlns:a16="http://schemas.microsoft.com/office/drawing/2014/main" id="{4DA61002-8735-64FF-F8E0-339468FFF21C}"/>
+                <a16:creationId xmlns:a16="http://schemas.microsoft.com/office/drawing/2014/main" id="{0288AF34-7590-0B01-6733-3617F4C82CFC}"/>
               </a:ext>
             </a:extLst>
           </p:cNvPr>
@@ -1792,7 +1792,7 @@
           <p:cNvPr id="7" name="日期占位符 6">
             <a:extLst>
               <a:ext uri="{FF2B5EF4-FFF2-40B4-BE49-F238E27FC236}">
-                <a16:creationId xmlns:a16="http://schemas.microsoft.com/office/drawing/2014/main" id="{4A249BA9-F9B2-40A2-BECC-291B4494CBF3}"/>
+                <a16:creationId xmlns:a16="http://schemas.microsoft.com/office/drawing/2014/main" id="{30DE7015-3EAB-FEF7-0FBE-2A5E76CB244D}"/>
               </a:ext>
             </a:extLst>
           </p:cNvPr>
@@ -1808,7 +1808,7 @@
           <a:bodyPr/>
           <a:lstStyle/>
           <a:p>
-            <a:fld id="{579FAC08-EC3F-4631-A9D1-FD9C4F133542}" type="datetimeFigureOut">
+            <a:fld id="{41734672-5C5F-415D-AE43-52CD0626002F}" type="datetimeFigureOut">
               <a:rPr lang="zh-CN" altLang="en-US" smtClean="0"/>
               <a:t>2024/3/10</a:t>
             </a:fld>
@@ -1821,7 +1821,7 @@
           <p:cNvPr id="8" name="页脚占位符 7">
             <a:extLst>
               <a:ext uri="{FF2B5EF4-FFF2-40B4-BE49-F238E27FC236}">
-                <a16:creationId xmlns:a16="http://schemas.microsoft.com/office/drawing/2014/main" id="{970509CD-3836-02DD-FC3E-A7A3F38FAD16}"/>
+                <a16:creationId xmlns:a16="http://schemas.microsoft.com/office/drawing/2014/main" id="{8F7C1DD0-A7C9-045D-5BCC-38FA53492167}"/>
               </a:ext>
             </a:extLst>
           </p:cNvPr>
@@ -1846,7 +1846,7 @@
           <p:cNvPr id="9" name="灯片编号占位符 8">
             <a:extLst>
               <a:ext uri="{FF2B5EF4-FFF2-40B4-BE49-F238E27FC236}">
-                <a16:creationId xmlns:a16="http://schemas.microsoft.com/office/drawing/2014/main" id="{E9310DBB-FDE6-9E1F-2C6A-ECB14B2C2319}"/>
+                <a16:creationId xmlns:a16="http://schemas.microsoft.com/office/drawing/2014/main" id="{1632A6EF-DB33-4D10-D10C-3D6D79C2C039}"/>
               </a:ext>
             </a:extLst>
           </p:cNvPr>
@@ -1862,7 +1862,7 @@
           <a:bodyPr/>
           <a:lstStyle/>
           <a:p>
-            <a:fld id="{826305C2-BCF5-40B2-BD34-B699447E506A}" type="slidenum">
+            <a:fld id="{02DAD177-1A43-4613-8385-A61F79C2617C}" type="slidenum">
               <a:rPr lang="zh-CN" altLang="en-US" smtClean="0"/>
               <a:t>‹#›</a:t>
             </a:fld>
@@ -1873,7 +1873,7 @@
     </p:spTree>
     <p:extLst>
       <p:ext uri="{BB962C8B-B14F-4D97-AF65-F5344CB8AC3E}">
-        <p14:creationId xmlns:p14="http://schemas.microsoft.com/office/powerpoint/2010/main" val="3368113903"/>
+        <p14:creationId xmlns:p14="http://schemas.microsoft.com/office/powerpoint/2010/main" val="3953067859"/>
       </p:ext>
     </p:extLst>
   </p:cSld>
@@ -1905,7 +1905,7 @@
           <p:cNvPr id="2" name="标题 1">
             <a:extLst>
               <a:ext uri="{FF2B5EF4-FFF2-40B4-BE49-F238E27FC236}">
-                <a16:creationId xmlns:a16="http://schemas.microsoft.com/office/drawing/2014/main" id="{6EFA3B4B-E465-8757-62BF-4AFBE0AEF6CC}"/>
+                <a16:creationId xmlns:a16="http://schemas.microsoft.com/office/drawing/2014/main" id="{BCB5BE60-D9EF-B750-6B99-5718D621CC82}"/>
               </a:ext>
             </a:extLst>
           </p:cNvPr>
@@ -1933,7 +1933,7 @@
           <p:cNvPr id="3" name="日期占位符 2">
             <a:extLst>
               <a:ext uri="{FF2B5EF4-FFF2-40B4-BE49-F238E27FC236}">
-                <a16:creationId xmlns:a16="http://schemas.microsoft.com/office/drawing/2014/main" id="{D37244F4-D4F5-D33B-1052-F2070D3091CC}"/>
+                <a16:creationId xmlns:a16="http://schemas.microsoft.com/office/drawing/2014/main" id="{84B7CCB4-5FE9-9642-8753-492109FD05A2}"/>
               </a:ext>
             </a:extLst>
           </p:cNvPr>
@@ -1949,7 +1949,7 @@
           <a:bodyPr/>
           <a:lstStyle/>
           <a:p>
-            <a:fld id="{579FAC08-EC3F-4631-A9D1-FD9C4F133542}" type="datetimeFigureOut">
+            <a:fld id="{41734672-5C5F-415D-AE43-52CD0626002F}" type="datetimeFigureOut">
               <a:rPr lang="zh-CN" altLang="en-US" smtClean="0"/>
               <a:t>2024/3/10</a:t>
             </a:fld>
@@ -1962,7 +1962,7 @@
           <p:cNvPr id="4" name="页脚占位符 3">
             <a:extLst>
               <a:ext uri="{FF2B5EF4-FFF2-40B4-BE49-F238E27FC236}">
-                <a16:creationId xmlns:a16="http://schemas.microsoft.com/office/drawing/2014/main" id="{6B3CEB16-BA09-6B8E-BF40-918E5028438D}"/>
+                <a16:creationId xmlns:a16="http://schemas.microsoft.com/office/drawing/2014/main" id="{C30754B5-B1A0-D5D6-E6A7-52EEC1A8D136}"/>
               </a:ext>
             </a:extLst>
           </p:cNvPr>
@@ -1987,7 +1987,7 @@
           <p:cNvPr id="5" name="灯片编号占位符 4">
             <a:extLst>
               <a:ext uri="{FF2B5EF4-FFF2-40B4-BE49-F238E27FC236}">
-                <a16:creationId xmlns:a16="http://schemas.microsoft.com/office/drawing/2014/main" id="{449D8265-DB0D-2C4A-7A64-C11C2FBE8A64}"/>
+                <a16:creationId xmlns:a16="http://schemas.microsoft.com/office/drawing/2014/main" id="{5353EEEC-BCD9-118E-0182-EE6FB7B120C6}"/>
               </a:ext>
             </a:extLst>
           </p:cNvPr>
@@ -2003,7 +2003,7 @@
           <a:bodyPr/>
           <a:lstStyle/>
           <a:p>
-            <a:fld id="{826305C2-BCF5-40B2-BD34-B699447E506A}" type="slidenum">
+            <a:fld id="{02DAD177-1A43-4613-8385-A61F79C2617C}" type="slidenum">
               <a:rPr lang="zh-CN" altLang="en-US" smtClean="0"/>
               <a:t>‹#›</a:t>
             </a:fld>
@@ -2014,7 +2014,7 @@
     </p:spTree>
     <p:extLst>
       <p:ext uri="{BB962C8B-B14F-4D97-AF65-F5344CB8AC3E}">
-        <p14:creationId xmlns:p14="http://schemas.microsoft.com/office/powerpoint/2010/main" val="1236658572"/>
+        <p14:creationId xmlns:p14="http://schemas.microsoft.com/office/powerpoint/2010/main" val="4239613055"/>
       </p:ext>
     </p:extLst>
   </p:cSld>
@@ -2046,7 +2046,7 @@
           <p:cNvPr id="2" name="日期占位符 1">
             <a:extLst>
               <a:ext uri="{FF2B5EF4-FFF2-40B4-BE49-F238E27FC236}">
-                <a16:creationId xmlns:a16="http://schemas.microsoft.com/office/drawing/2014/main" id="{CB04BF01-31C1-3847-5E1B-21FF08A865AE}"/>
+                <a16:creationId xmlns:a16="http://schemas.microsoft.com/office/drawing/2014/main" id="{44E64593-33B2-BB3D-C8BB-85FA9120BD9A}"/>
               </a:ext>
             </a:extLst>
           </p:cNvPr>
@@ -2062,7 +2062,7 @@
           <a:bodyPr/>
           <a:lstStyle/>
           <a:p>
-            <a:fld id="{579FAC08-EC3F-4631-A9D1-FD9C4F133542}" type="datetimeFigureOut">
+            <a:fld id="{41734672-5C5F-415D-AE43-52CD0626002F}" type="datetimeFigureOut">
               <a:rPr lang="zh-CN" altLang="en-US" smtClean="0"/>
               <a:t>2024/3/10</a:t>
             </a:fld>
@@ -2075,7 +2075,7 @@
           <p:cNvPr id="3" name="页脚占位符 2">
             <a:extLst>
               <a:ext uri="{FF2B5EF4-FFF2-40B4-BE49-F238E27FC236}">
-                <a16:creationId xmlns:a16="http://schemas.microsoft.com/office/drawing/2014/main" id="{A6B0EDFD-556A-4631-9A58-31052ED9EF91}"/>
+                <a16:creationId xmlns:a16="http://schemas.microsoft.com/office/drawing/2014/main" id="{67461F56-B2A9-F5DB-C960-3C00818DB534}"/>
               </a:ext>
             </a:extLst>
           </p:cNvPr>
@@ -2100,7 +2100,7 @@
           <p:cNvPr id="4" name="灯片编号占位符 3">
             <a:extLst>
               <a:ext uri="{FF2B5EF4-FFF2-40B4-BE49-F238E27FC236}">
-                <a16:creationId xmlns:a16="http://schemas.microsoft.com/office/drawing/2014/main" id="{A04364E7-9BD8-8F56-27C2-EB091F4720B1}"/>
+                <a16:creationId xmlns:a16="http://schemas.microsoft.com/office/drawing/2014/main" id="{925B18BB-402F-2EA9-D392-10F678433FC8}"/>
               </a:ext>
             </a:extLst>
           </p:cNvPr>
@@ -2116,7 +2116,7 @@
           <a:bodyPr/>
           <a:lstStyle/>
           <a:p>
-            <a:fld id="{826305C2-BCF5-40B2-BD34-B699447E506A}" type="slidenum">
+            <a:fld id="{02DAD177-1A43-4613-8385-A61F79C2617C}" type="slidenum">
               <a:rPr lang="zh-CN" altLang="en-US" smtClean="0"/>
               <a:t>‹#›</a:t>
             </a:fld>
@@ -2127,7 +2127,7 @@
     </p:spTree>
     <p:extLst>
       <p:ext uri="{BB962C8B-B14F-4D97-AF65-F5344CB8AC3E}">
-        <p14:creationId xmlns:p14="http://schemas.microsoft.com/office/powerpoint/2010/main" val="1452943993"/>
+        <p14:creationId xmlns:p14="http://schemas.microsoft.com/office/powerpoint/2010/main" val="912476130"/>
       </p:ext>
     </p:extLst>
   </p:cSld>
@@ -2159,7 +2159,7 @@
           <p:cNvPr id="2" name="标题 1">
             <a:extLst>
               <a:ext uri="{FF2B5EF4-FFF2-40B4-BE49-F238E27FC236}">
-                <a16:creationId xmlns:a16="http://schemas.microsoft.com/office/drawing/2014/main" id="{8EF7C97B-A2B3-A66D-FBBA-19B93D5BFA2D}"/>
+                <a16:creationId xmlns:a16="http://schemas.microsoft.com/office/drawing/2014/main" id="{2BB3BAD1-4CC0-67DA-90ED-EC1D971D05B8}"/>
               </a:ext>
             </a:extLst>
           </p:cNvPr>
@@ -2196,7 +2196,7 @@
           <p:cNvPr id="3" name="内容占位符 2">
             <a:extLst>
               <a:ext uri="{FF2B5EF4-FFF2-40B4-BE49-F238E27FC236}">
-                <a16:creationId xmlns:a16="http://schemas.microsoft.com/office/drawing/2014/main" id="{F40B6A3C-388E-CE6C-8C21-8FD3F6F15D7D}"/>
+                <a16:creationId xmlns:a16="http://schemas.microsoft.com/office/drawing/2014/main" id="{394729A1-6B0D-231B-30B1-40811AA64B87}"/>
               </a:ext>
             </a:extLst>
           </p:cNvPr>
@@ -2286,7 +2286,7 @@
           <p:cNvPr id="4" name="文本占位符 3">
             <a:extLst>
               <a:ext uri="{FF2B5EF4-FFF2-40B4-BE49-F238E27FC236}">
-                <a16:creationId xmlns:a16="http://schemas.microsoft.com/office/drawing/2014/main" id="{7A161721-562E-FF25-45E0-DEF86EAD28D8}"/>
+                <a16:creationId xmlns:a16="http://schemas.microsoft.com/office/drawing/2014/main" id="{1F8C7842-5DC6-549D-855E-B698ECB05C9E}"/>
               </a:ext>
             </a:extLst>
           </p:cNvPr>
@@ -2357,7 +2357,7 @@
           <p:cNvPr id="5" name="日期占位符 4">
             <a:extLst>
               <a:ext uri="{FF2B5EF4-FFF2-40B4-BE49-F238E27FC236}">
-                <a16:creationId xmlns:a16="http://schemas.microsoft.com/office/drawing/2014/main" id="{ED76A95D-9EDC-EF33-F6D2-7A69B86A1B9E}"/>
+                <a16:creationId xmlns:a16="http://schemas.microsoft.com/office/drawing/2014/main" id="{CA6B235D-9FD7-3726-14DF-95A61BBB86C8}"/>
               </a:ext>
             </a:extLst>
           </p:cNvPr>
@@ -2373,7 +2373,7 @@
           <a:bodyPr/>
           <a:lstStyle/>
           <a:p>
-            <a:fld id="{579FAC08-EC3F-4631-A9D1-FD9C4F133542}" type="datetimeFigureOut">
+            <a:fld id="{41734672-5C5F-415D-AE43-52CD0626002F}" type="datetimeFigureOut">
               <a:rPr lang="zh-CN" altLang="en-US" smtClean="0"/>
               <a:t>2024/3/10</a:t>
             </a:fld>
@@ -2386,7 +2386,7 @@
           <p:cNvPr id="6" name="页脚占位符 5">
             <a:extLst>
               <a:ext uri="{FF2B5EF4-FFF2-40B4-BE49-F238E27FC236}">
-                <a16:creationId xmlns:a16="http://schemas.microsoft.com/office/drawing/2014/main" id="{317B5E9A-A345-0409-0D0A-5BFF6598D579}"/>
+                <a16:creationId xmlns:a16="http://schemas.microsoft.com/office/drawing/2014/main" id="{6BF9003F-5869-BB91-4E39-3D867D4A1A9F}"/>
               </a:ext>
             </a:extLst>
           </p:cNvPr>
@@ -2411,7 +2411,7 @@
           <p:cNvPr id="7" name="灯片编号占位符 6">
             <a:extLst>
               <a:ext uri="{FF2B5EF4-FFF2-40B4-BE49-F238E27FC236}">
-                <a16:creationId xmlns:a16="http://schemas.microsoft.com/office/drawing/2014/main" id="{DD2D96C9-9AE4-1D95-85E7-6A181D03841B}"/>
+                <a16:creationId xmlns:a16="http://schemas.microsoft.com/office/drawing/2014/main" id="{66A1FC91-AEFD-59ED-2F2B-6AFD7B7393BD}"/>
               </a:ext>
             </a:extLst>
           </p:cNvPr>
@@ -2427,7 +2427,7 @@
           <a:bodyPr/>
           <a:lstStyle/>
           <a:p>
-            <a:fld id="{826305C2-BCF5-40B2-BD34-B699447E506A}" type="slidenum">
+            <a:fld id="{02DAD177-1A43-4613-8385-A61F79C2617C}" type="slidenum">
               <a:rPr lang="zh-CN" altLang="en-US" smtClean="0"/>
               <a:t>‹#›</a:t>
             </a:fld>
@@ -2438,7 +2438,7 @@
     </p:spTree>
     <p:extLst>
       <p:ext uri="{BB962C8B-B14F-4D97-AF65-F5344CB8AC3E}">
-        <p14:creationId xmlns:p14="http://schemas.microsoft.com/office/powerpoint/2010/main" val="994919424"/>
+        <p14:creationId xmlns:p14="http://schemas.microsoft.com/office/powerpoint/2010/main" val="2005982493"/>
       </p:ext>
     </p:extLst>
   </p:cSld>
@@ -2470,7 +2470,7 @@
           <p:cNvPr id="2" name="标题 1">
             <a:extLst>
               <a:ext uri="{FF2B5EF4-FFF2-40B4-BE49-F238E27FC236}">
-                <a16:creationId xmlns:a16="http://schemas.microsoft.com/office/drawing/2014/main" id="{CE773427-7525-CDC4-320D-EC20CC4B8744}"/>
+                <a16:creationId xmlns:a16="http://schemas.microsoft.com/office/drawing/2014/main" id="{AB7AB3CA-2C3B-4A31-7658-D1B17523D653}"/>
               </a:ext>
             </a:extLst>
           </p:cNvPr>
@@ -2507,7 +2507,7 @@
           <p:cNvPr id="3" name="图片占位符 2">
             <a:extLst>
               <a:ext uri="{FF2B5EF4-FFF2-40B4-BE49-F238E27FC236}">
-                <a16:creationId xmlns:a16="http://schemas.microsoft.com/office/drawing/2014/main" id="{29433A4B-A164-A375-72BB-C1DA351EC5E2}"/>
+                <a16:creationId xmlns:a16="http://schemas.microsoft.com/office/drawing/2014/main" id="{F625354C-2D73-D544-69B0-EADA6712046A}"/>
               </a:ext>
             </a:extLst>
           </p:cNvPr>
@@ -2574,7 +2574,7 @@
           <p:cNvPr id="4" name="文本占位符 3">
             <a:extLst>
               <a:ext uri="{FF2B5EF4-FFF2-40B4-BE49-F238E27FC236}">
-                <a16:creationId xmlns:a16="http://schemas.microsoft.com/office/drawing/2014/main" id="{A0281C9A-F401-D30D-A628-A9A5644FA5DA}"/>
+                <a16:creationId xmlns:a16="http://schemas.microsoft.com/office/drawing/2014/main" id="{756E87B9-BDEC-642B-B7C1-DB3C4CAF2DFB}"/>
               </a:ext>
             </a:extLst>
           </p:cNvPr>
@@ -2645,7 +2645,7 @@
           <p:cNvPr id="5" name="日期占位符 4">
             <a:extLst>
               <a:ext uri="{FF2B5EF4-FFF2-40B4-BE49-F238E27FC236}">
-                <a16:creationId xmlns:a16="http://schemas.microsoft.com/office/drawing/2014/main" id="{00CB0961-A6F3-5102-2231-28DF94657835}"/>
+                <a16:creationId xmlns:a16="http://schemas.microsoft.com/office/drawing/2014/main" id="{1274FEB9-47DE-6A8C-AC73-22FA2CD87014}"/>
               </a:ext>
             </a:extLst>
           </p:cNvPr>
@@ -2661,7 +2661,7 @@
           <a:bodyPr/>
           <a:lstStyle/>
           <a:p>
-            <a:fld id="{579FAC08-EC3F-4631-A9D1-FD9C4F133542}" type="datetimeFigureOut">
+            <a:fld id="{41734672-5C5F-415D-AE43-52CD0626002F}" type="datetimeFigureOut">
               <a:rPr lang="zh-CN" altLang="en-US" smtClean="0"/>
               <a:t>2024/3/10</a:t>
             </a:fld>
@@ -2674,7 +2674,7 @@
           <p:cNvPr id="6" name="页脚占位符 5">
             <a:extLst>
               <a:ext uri="{FF2B5EF4-FFF2-40B4-BE49-F238E27FC236}">
-                <a16:creationId xmlns:a16="http://schemas.microsoft.com/office/drawing/2014/main" id="{C8E685A1-301B-D139-CA24-16A0F55A59DA}"/>
+                <a16:creationId xmlns:a16="http://schemas.microsoft.com/office/drawing/2014/main" id="{0BC8B869-838B-2105-86AD-33F68A407A2A}"/>
               </a:ext>
             </a:extLst>
           </p:cNvPr>
@@ -2699,7 +2699,7 @@
           <p:cNvPr id="7" name="灯片编号占位符 6">
             <a:extLst>
               <a:ext uri="{FF2B5EF4-FFF2-40B4-BE49-F238E27FC236}">
-                <a16:creationId xmlns:a16="http://schemas.microsoft.com/office/drawing/2014/main" id="{885CC6E0-DB09-254D-B1BE-35E375E88CB7}"/>
+                <a16:creationId xmlns:a16="http://schemas.microsoft.com/office/drawing/2014/main" id="{7114CCAF-6935-675E-8545-E2EF5C724AA0}"/>
               </a:ext>
             </a:extLst>
           </p:cNvPr>
@@ -2715,7 +2715,7 @@
           <a:bodyPr/>
           <a:lstStyle/>
           <a:p>
-            <a:fld id="{826305C2-BCF5-40B2-BD34-B699447E506A}" type="slidenum">
+            <a:fld id="{02DAD177-1A43-4613-8385-A61F79C2617C}" type="slidenum">
               <a:rPr lang="zh-CN" altLang="en-US" smtClean="0"/>
               <a:t>‹#›</a:t>
             </a:fld>
@@ -2726,7 +2726,7 @@
     </p:spTree>
     <p:extLst>
       <p:ext uri="{BB962C8B-B14F-4D97-AF65-F5344CB8AC3E}">
-        <p14:creationId xmlns:p14="http://schemas.microsoft.com/office/powerpoint/2010/main" val="2183631223"/>
+        <p14:creationId xmlns:p14="http://schemas.microsoft.com/office/powerpoint/2010/main" val="408569411"/>
       </p:ext>
     </p:extLst>
   </p:cSld>
@@ -2763,7 +2763,7 @@
           <p:cNvPr id="2" name="标题占位符 1">
             <a:extLst>
               <a:ext uri="{FF2B5EF4-FFF2-40B4-BE49-F238E27FC236}">
-                <a16:creationId xmlns:a16="http://schemas.microsoft.com/office/drawing/2014/main" id="{54313C75-0D77-5EB7-7026-6F78A2C53F50}"/>
+                <a16:creationId xmlns:a16="http://schemas.microsoft.com/office/drawing/2014/main" id="{B444483C-A808-6F07-FBFD-3285CD4051C1}"/>
               </a:ext>
             </a:extLst>
           </p:cNvPr>
@@ -2801,7 +2801,7 @@
           <p:cNvPr id="3" name="文本占位符 2">
             <a:extLst>
               <a:ext uri="{FF2B5EF4-FFF2-40B4-BE49-F238E27FC236}">
-                <a16:creationId xmlns:a16="http://schemas.microsoft.com/office/drawing/2014/main" id="{182E027F-B826-F2AC-68BB-88C0604CF7C6}"/>
+                <a16:creationId xmlns:a16="http://schemas.microsoft.com/office/drawing/2014/main" id="{C1E7D3A1-25A8-D153-02A6-45C84003C316}"/>
               </a:ext>
             </a:extLst>
           </p:cNvPr>
@@ -2868,7 +2868,7 @@
           <p:cNvPr id="4" name="日期占位符 3">
             <a:extLst>
               <a:ext uri="{FF2B5EF4-FFF2-40B4-BE49-F238E27FC236}">
-                <a16:creationId xmlns:a16="http://schemas.microsoft.com/office/drawing/2014/main" id="{1D5759D8-AC39-8E5C-F9C3-189F953795B6}"/>
+                <a16:creationId xmlns:a16="http://schemas.microsoft.com/office/drawing/2014/main" id="{8CCB709C-FFF5-4569-751B-39DD516CDA73}"/>
               </a:ext>
             </a:extLst>
           </p:cNvPr>
@@ -2902,7 +2902,7 @@
             </a:lvl1pPr>
           </a:lstStyle>
           <a:p>
-            <a:fld id="{579FAC08-EC3F-4631-A9D1-FD9C4F133542}" type="datetimeFigureOut">
+            <a:fld id="{41734672-5C5F-415D-AE43-52CD0626002F}" type="datetimeFigureOut">
               <a:rPr lang="zh-CN" altLang="en-US" smtClean="0"/>
               <a:t>2024/3/10</a:t>
             </a:fld>
@@ -2915,7 +2915,7 @@
           <p:cNvPr id="5" name="页脚占位符 4">
             <a:extLst>
               <a:ext uri="{FF2B5EF4-FFF2-40B4-BE49-F238E27FC236}">
-                <a16:creationId xmlns:a16="http://schemas.microsoft.com/office/drawing/2014/main" id="{DB8660B6-0B2C-BF29-73D4-CD5AB4F2FC89}"/>
+                <a16:creationId xmlns:a16="http://schemas.microsoft.com/office/drawing/2014/main" id="{AD48FA63-84CB-87EA-3AE4-A67074497288}"/>
               </a:ext>
             </a:extLst>
           </p:cNvPr>
@@ -2958,7 +2958,7 @@
           <p:cNvPr id="6" name="灯片编号占位符 5">
             <a:extLst>
               <a:ext uri="{FF2B5EF4-FFF2-40B4-BE49-F238E27FC236}">
-                <a16:creationId xmlns:a16="http://schemas.microsoft.com/office/drawing/2014/main" id="{B37C0C05-523D-A536-36AD-B83A5A364679}"/>
+                <a16:creationId xmlns:a16="http://schemas.microsoft.com/office/drawing/2014/main" id="{3B55E04A-93D1-F998-0D35-F4FA9A0F3847}"/>
               </a:ext>
             </a:extLst>
           </p:cNvPr>
@@ -2992,7 +2992,7 @@
             </a:lvl1pPr>
           </a:lstStyle>
           <a:p>
-            <a:fld id="{826305C2-BCF5-40B2-BD34-B699447E506A}" type="slidenum">
+            <a:fld id="{02DAD177-1A43-4613-8385-A61F79C2617C}" type="slidenum">
               <a:rPr lang="zh-CN" altLang="en-US" smtClean="0"/>
               <a:t>‹#›</a:t>
             </a:fld>
@@ -3003,7 +3003,7 @@
     </p:spTree>
     <p:extLst>
       <p:ext uri="{BB962C8B-B14F-4D97-AF65-F5344CB8AC3E}">
-        <p14:creationId xmlns:p14="http://schemas.microsoft.com/office/powerpoint/2010/main" val="4166561422"/>
+        <p14:creationId xmlns:p14="http://schemas.microsoft.com/office/powerpoint/2010/main" val="2076129524"/>
       </p:ext>
     </p:extLst>
   </p:cSld>
